--- a/39_Rated-OnlineMovieReviewSystem_Part4.pptx
+++ b/39_Rated-OnlineMovieReviewSystem_Part4.pptx
@@ -5,19 +5,18 @@
     <p:sldMasterId id="2147483659" r:id="rId1"/>
   </p:sldMasterIdLst>
   <p:notesMasterIdLst>
-    <p:notesMasterId r:id="rId12"/>
+    <p:notesMasterId r:id="rId11"/>
   </p:notesMasterIdLst>
   <p:sldIdLst>
     <p:sldId id="256" r:id="rId2"/>
     <p:sldId id="257" r:id="rId3"/>
     <p:sldId id="258" r:id="rId4"/>
-    <p:sldId id="259" r:id="rId5"/>
-    <p:sldId id="260" r:id="rId6"/>
-    <p:sldId id="261" r:id="rId7"/>
-    <p:sldId id="262" r:id="rId8"/>
-    <p:sldId id="263" r:id="rId9"/>
-    <p:sldId id="264" r:id="rId10"/>
-    <p:sldId id="265" r:id="rId11"/>
+    <p:sldId id="260" r:id="rId5"/>
+    <p:sldId id="261" r:id="rId6"/>
+    <p:sldId id="262" r:id="rId7"/>
+    <p:sldId id="263" r:id="rId8"/>
+    <p:sldId id="264" r:id="rId9"/>
+    <p:sldId id="265" r:id="rId10"/>
   </p:sldIdLst>
   <p:sldSz cx="9144000" cy="5143500" type="screen16x9"/>
   <p:notesSz cx="6858000" cy="9144000"/>
@@ -223,6 +222,11 @@
       </a:defRPr>
     </a:lvl9pPr>
   </p:defaultTextStyle>
+  <p:extLst>
+    <p:ext uri="{EFAFB233-063F-42B5-8137-9DF3F51BA10A}">
+      <p15:sldGuideLst xmlns:p15="http://schemas.microsoft.com/office/powerpoint/2012/main"/>
+    </p:ext>
+  </p:extLst>
 </p:presentation>
 </file>
 
@@ -791,7 +795,7 @@
   <p:cSld>
     <p:spTree>
       <p:nvGrpSpPr>
-        <p:cNvPr id="1" name="Shape 68"/>
+        <p:cNvPr id="1" name="Shape 74"/>
         <p:cNvGrpSpPr/>
         <p:nvPr/>
       </p:nvGrpSpPr>
@@ -805,7 +809,7 @@
       </p:grpSpPr>
       <p:sp>
         <p:nvSpPr>
-          <p:cNvPr id="69" name="Shape 69"/>
+          <p:cNvPr id="75" name="Shape 75"/>
           <p:cNvSpPr>
             <a:spLocks noGrp="1" noRot="1" noChangeAspect="1"/>
           </p:cNvSpPr>
@@ -846,7 +850,7 @@
       </p:sp>
       <p:sp>
         <p:nvSpPr>
-          <p:cNvPr id="70" name="Shape 70"/>
+          <p:cNvPr id="76" name="Shape 76"/>
           <p:cNvSpPr txBox="1">
             <a:spLocks noGrp="1"/>
           </p:cNvSpPr>
@@ -892,7 +896,7 @@
   <p:cSld>
     <p:spTree>
       <p:nvGrpSpPr>
-        <p:cNvPr id="1" name="Shape 74"/>
+        <p:cNvPr id="1" name="Shape 80"/>
         <p:cNvGrpSpPr/>
         <p:nvPr/>
       </p:nvGrpSpPr>
@@ -906,7 +910,7 @@
       </p:grpSpPr>
       <p:sp>
         <p:nvSpPr>
-          <p:cNvPr id="75" name="Shape 75"/>
+          <p:cNvPr id="81" name="Shape 81"/>
           <p:cNvSpPr>
             <a:spLocks noGrp="1" noRot="1" noChangeAspect="1"/>
           </p:cNvSpPr>
@@ -947,7 +951,7 @@
       </p:sp>
       <p:sp>
         <p:nvSpPr>
-          <p:cNvPr id="76" name="Shape 76"/>
+          <p:cNvPr id="82" name="Shape 82"/>
           <p:cNvSpPr txBox="1">
             <a:spLocks noGrp="1"/>
           </p:cNvSpPr>
@@ -993,7 +997,7 @@
   <p:cSld>
     <p:spTree>
       <p:nvGrpSpPr>
-        <p:cNvPr id="1" name="Shape 80"/>
+        <p:cNvPr id="1" name="Shape 86"/>
         <p:cNvGrpSpPr/>
         <p:nvPr/>
       </p:nvGrpSpPr>
@@ -1007,7 +1011,7 @@
       </p:grpSpPr>
       <p:sp>
         <p:nvSpPr>
-          <p:cNvPr id="81" name="Shape 81"/>
+          <p:cNvPr id="87" name="Shape 87"/>
           <p:cNvSpPr>
             <a:spLocks noGrp="1" noRot="1" noChangeAspect="1"/>
           </p:cNvSpPr>
@@ -1048,7 +1052,7 @@
       </p:sp>
       <p:sp>
         <p:nvSpPr>
-          <p:cNvPr id="82" name="Shape 82"/>
+          <p:cNvPr id="88" name="Shape 88"/>
           <p:cNvSpPr txBox="1">
             <a:spLocks noGrp="1"/>
           </p:cNvSpPr>
@@ -1090,107 +1094,6 @@
 </file>
 
 <file path=ppt/notesSlides/notesSlide7.xml><?xml version="1.0" encoding="utf-8"?>
-<p:notes xmlns:a="http://schemas.openxmlformats.org/drawingml/2006/main" xmlns:r="http://schemas.openxmlformats.org/officeDocument/2006/relationships" xmlns:p="http://schemas.openxmlformats.org/presentationml/2006/main" showMasterSp="0" showMasterPhAnim="0">
-  <p:cSld>
-    <p:spTree>
-      <p:nvGrpSpPr>
-        <p:cNvPr id="1" name="Shape 86"/>
-        <p:cNvGrpSpPr/>
-        <p:nvPr/>
-      </p:nvGrpSpPr>
-      <p:grpSpPr>
-        <a:xfrm>
-          <a:off x="0" y="0"/>
-          <a:ext cx="0" cy="0"/>
-          <a:chOff x="0" y="0"/>
-          <a:chExt cx="0" cy="0"/>
-        </a:xfrm>
-      </p:grpSpPr>
-      <p:sp>
-        <p:nvSpPr>
-          <p:cNvPr id="87" name="Shape 87"/>
-          <p:cNvSpPr>
-            <a:spLocks noGrp="1" noRot="1" noChangeAspect="1"/>
-          </p:cNvSpPr>
-          <p:nvPr>
-            <p:ph type="sldImg" idx="2"/>
-          </p:nvPr>
-        </p:nvSpPr>
-        <p:spPr>
-          <a:xfrm>
-            <a:off x="381000" y="685800"/>
-            <a:ext cx="6096000" cy="3429000"/>
-          </a:xfrm>
-          <a:custGeom>
-            <a:avLst/>
-            <a:gdLst/>
-            <a:ahLst/>
-            <a:cxnLst/>
-            <a:rect l="0" t="0" r="0" b="0"/>
-            <a:pathLst>
-              <a:path w="120000" h="120000" extrusionOk="0">
-                <a:moveTo>
-                  <a:pt x="0" y="0"/>
-                </a:moveTo>
-                <a:lnTo>
-                  <a:pt x="120000" y="0"/>
-                </a:lnTo>
-                <a:lnTo>
-                  <a:pt x="120000" y="120000"/>
-                </a:lnTo>
-                <a:lnTo>
-                  <a:pt x="0" y="120000"/>
-                </a:lnTo>
-                <a:close/>
-              </a:path>
-            </a:pathLst>
-          </a:custGeom>
-        </p:spPr>
-      </p:sp>
-      <p:sp>
-        <p:nvSpPr>
-          <p:cNvPr id="88" name="Shape 88"/>
-          <p:cNvSpPr txBox="1">
-            <a:spLocks noGrp="1"/>
-          </p:cNvSpPr>
-          <p:nvPr>
-            <p:ph type="body" idx="1"/>
-          </p:nvPr>
-        </p:nvSpPr>
-        <p:spPr>
-          <a:xfrm>
-            <a:off x="685800" y="4343400"/>
-            <a:ext cx="5486400" cy="4114800"/>
-          </a:xfrm>
-          <a:prstGeom prst="rect">
-            <a:avLst/>
-          </a:prstGeom>
-        </p:spPr>
-        <p:txBody>
-          <a:bodyPr lIns="91425" tIns="91425" rIns="91425" bIns="91425" anchor="t" anchorCtr="0">
-            <a:noAutofit/>
-          </a:bodyPr>
-          <a:lstStyle/>
-          <a:p>
-            <a:pPr lvl="0">
-              <a:spcBef>
-                <a:spcPts val="0"/>
-              </a:spcBef>
-              <a:buNone/>
-            </a:pPr>
-            <a:endParaRPr/>
-          </a:p>
-        </p:txBody>
-      </p:sp>
-    </p:spTree>
-  </p:cSld>
-  <p:clrMapOvr>
-    <a:masterClrMapping/>
-  </p:clrMapOvr>
-</p:notes>
-</file>
-
-<file path=ppt/notesSlides/notesSlide8.xml><?xml version="1.0" encoding="utf-8"?>
 <p:notes xmlns:a="http://schemas.openxmlformats.org/drawingml/2006/main" xmlns:r="http://schemas.openxmlformats.org/officeDocument/2006/relationships" xmlns:p="http://schemas.openxmlformats.org/presentationml/2006/main" showMasterSp="0" showMasterPhAnim="0">
   <p:cSld>
     <p:spTree>
@@ -4672,94 +4575,6 @@
 </p:sld>
 </file>
 
-<file path=ppt/slides/slide10.xml><?xml version="1.0" encoding="utf-8"?>
-<p:sld xmlns:a="http://schemas.openxmlformats.org/drawingml/2006/main" xmlns:r="http://schemas.openxmlformats.org/officeDocument/2006/relationships" xmlns:p="http://schemas.openxmlformats.org/presentationml/2006/main">
-  <p:cSld>
-    <p:spTree>
-      <p:nvGrpSpPr>
-        <p:cNvPr id="1" name=""/>
-        <p:cNvGrpSpPr/>
-        <p:nvPr/>
-      </p:nvGrpSpPr>
-      <p:grpSpPr>
-        <a:xfrm>
-          <a:off x="0" y="0"/>
-          <a:ext cx="0" cy="0"/>
-          <a:chOff x="0" y="0"/>
-          <a:chExt cx="0" cy="0"/>
-        </a:xfrm>
-      </p:grpSpPr>
-      <p:sp>
-        <p:nvSpPr>
-          <p:cNvPr id="2" name="Title 1"/>
-          <p:cNvSpPr>
-            <a:spLocks noGrp="1"/>
-          </p:cNvSpPr>
-          <p:nvPr>
-            <p:ph type="title"/>
-          </p:nvPr>
-        </p:nvSpPr>
-        <p:spPr>
-          <a:xfrm>
-            <a:off x="311700" y="529314"/>
-            <a:ext cx="8520600" cy="841800"/>
-          </a:xfrm>
-        </p:spPr>
-        <p:txBody>
-          <a:bodyPr/>
-          <a:lstStyle/>
-          <a:p>
-            <a:r>
-              <a:rPr lang="en-US" dirty="0" smtClean="0"/>
-              <a:t>THANK YOU</a:t>
-            </a:r>
-            <a:endParaRPr lang="en-US" dirty="0"/>
-          </a:p>
-        </p:txBody>
-      </p:sp>
-      <p:pic>
-        <p:nvPicPr>
-          <p:cNvPr id="3" name="Picture 2"/>
-          <p:cNvPicPr>
-            <a:picLocks noChangeAspect="1"/>
-          </p:cNvPicPr>
-          <p:nvPr/>
-        </p:nvPicPr>
-        <p:blipFill>
-          <a:blip r:embed="rId2">
-            <a:extLst>
-              <a:ext uri="{28A0092B-C50C-407E-A947-70E740481C1C}">
-                <a14:useLocalDpi xmlns:a14="http://schemas.microsoft.com/office/drawing/2010/main" val="0"/>
-              </a:ext>
-            </a:extLst>
-          </a:blip>
-          <a:stretch>
-            <a:fillRect/>
-          </a:stretch>
-        </p:blipFill>
-        <p:spPr>
-          <a:xfrm>
-            <a:off x="2286000" y="1371114"/>
-            <a:ext cx="4572000" cy="3543300"/>
-          </a:xfrm>
-          <a:prstGeom prst="rect">
-            <a:avLst/>
-          </a:prstGeom>
-        </p:spPr>
-      </p:pic>
-    </p:spTree>
-    <p:extLst>
-      <p:ext uri="{BB962C8B-B14F-4D97-AF65-F5344CB8AC3E}">
-        <p14:creationId xmlns:p14="http://schemas.microsoft.com/office/powerpoint/2010/main" val="1769566907"/>
-      </p:ext>
-    </p:extLst>
-  </p:cSld>
-  <p:clrMapOvr>
-    <a:masterClrMapping/>
-  </p:clrMapOvr>
-</p:sld>
-</file>
-
 <file path=ppt/slides/slide2.xml><?xml version="1.0" encoding="utf-8"?>
 <p:sld xmlns:a="http://schemas.openxmlformats.org/drawingml/2006/main" xmlns:r="http://schemas.openxmlformats.org/officeDocument/2006/relationships" xmlns:p="http://schemas.openxmlformats.org/presentationml/2006/main">
   <p:cSld>
@@ -4865,23 +4680,31 @@
             </a:pPr>
             <a:r>
               <a:rPr lang="en" dirty="0"/>
-              <a:t>Users can view </a:t>
+              <a:t>Users can </a:t>
             </a:r>
             <a:r>
               <a:rPr lang="en" dirty="0" smtClean="0"/>
-              <a:t>&amp; </a:t>
+              <a:t>view/give and ratings/reviews </a:t>
             </a:r>
             <a:r>
               <a:rPr lang="en" dirty="0"/>
-              <a:t>give ratings </a:t>
+              <a:t>to movies</a:t>
             </a:r>
             <a:r>
               <a:rPr lang="en" dirty="0" smtClean="0"/>
-              <a:t>&amp; </a:t>
+              <a:t>.</a:t>
             </a:r>
+          </a:p>
+          <a:p>
+            <a:pPr marL="457200" lvl="0" indent="-228600" rtl="0">
+              <a:spcBef>
+                <a:spcPts val="0"/>
+              </a:spcBef>
+              <a:buChar char="●"/>
+            </a:pPr>
             <a:r>
-              <a:rPr lang="en" dirty="0"/>
-              <a:t>reviews to movies.</a:t>
+              <a:rPr lang="en" dirty="0" smtClean="0"/>
+              <a:t>Features like filtering based on Genre and Year of release could be done and sorting based on the rating are available.</a:t>
             </a:r>
           </a:p>
         </p:txBody>
@@ -5101,104 +4924,6 @@
   <p:cSld>
     <p:spTree>
       <p:nvGrpSpPr>
-        <p:cNvPr id="1" name="Shape 71"/>
-        <p:cNvGrpSpPr/>
-        <p:nvPr/>
-      </p:nvGrpSpPr>
-      <p:grpSpPr>
-        <a:xfrm>
-          <a:off x="0" y="0"/>
-          <a:ext cx="0" cy="0"/>
-          <a:chOff x="0" y="0"/>
-          <a:chExt cx="0" cy="0"/>
-        </a:xfrm>
-      </p:grpSpPr>
-      <p:sp>
-        <p:nvSpPr>
-          <p:cNvPr id="72" name="Shape 72"/>
-          <p:cNvSpPr txBox="1">
-            <a:spLocks noGrp="1"/>
-          </p:cNvSpPr>
-          <p:nvPr>
-            <p:ph type="title"/>
-          </p:nvPr>
-        </p:nvSpPr>
-        <p:spPr>
-          <a:xfrm>
-            <a:off x="311700" y="445025"/>
-            <a:ext cx="8520600" cy="572700"/>
-          </a:xfrm>
-          <a:prstGeom prst="rect">
-            <a:avLst/>
-          </a:prstGeom>
-        </p:spPr>
-        <p:txBody>
-          <a:bodyPr lIns="91425" tIns="91425" rIns="91425" bIns="91425" anchor="t" anchorCtr="0">
-            <a:noAutofit/>
-          </a:bodyPr>
-          <a:lstStyle/>
-          <a:p>
-            <a:pPr lvl="0">
-              <a:spcBef>
-                <a:spcPts val="0"/>
-              </a:spcBef>
-              <a:buNone/>
-            </a:pPr>
-            <a:r>
-              <a:rPr lang="en"/>
-              <a:t>DEMO</a:t>
-            </a:r>
-          </a:p>
-        </p:txBody>
-      </p:sp>
-      <p:sp>
-        <p:nvSpPr>
-          <p:cNvPr id="73" name="Shape 73"/>
-          <p:cNvSpPr txBox="1">
-            <a:spLocks noGrp="1"/>
-          </p:cNvSpPr>
-          <p:nvPr>
-            <p:ph type="body" idx="1"/>
-          </p:nvPr>
-        </p:nvSpPr>
-        <p:spPr>
-          <a:xfrm>
-            <a:off x="311700" y="1152475"/>
-            <a:ext cx="8520600" cy="3416400"/>
-          </a:xfrm>
-          <a:prstGeom prst="rect">
-            <a:avLst/>
-          </a:prstGeom>
-        </p:spPr>
-        <p:txBody>
-          <a:bodyPr lIns="91425" tIns="91425" rIns="91425" bIns="91425" anchor="t" anchorCtr="0">
-            <a:noAutofit/>
-          </a:bodyPr>
-          <a:lstStyle/>
-          <a:p>
-            <a:pPr lvl="0">
-              <a:spcBef>
-                <a:spcPts val="0"/>
-              </a:spcBef>
-              <a:buNone/>
-            </a:pPr>
-            <a:endParaRPr/>
-          </a:p>
-        </p:txBody>
-      </p:sp>
-    </p:spTree>
-  </p:cSld>
-  <p:clrMapOvr>
-    <a:masterClrMapping/>
-  </p:clrMapOvr>
-</p:sld>
-</file>
-
-<file path=ppt/slides/slide5.xml><?xml version="1.0" encoding="utf-8"?>
-<p:sld xmlns:a="http://schemas.openxmlformats.org/drawingml/2006/main" xmlns:r="http://schemas.openxmlformats.org/officeDocument/2006/relationships" xmlns:p="http://schemas.openxmlformats.org/presentationml/2006/main">
-  <p:cSld>
-    <p:spTree>
-      <p:nvGrpSpPr>
         <p:cNvPr id="1" name="Shape 77"/>
         <p:cNvGrpSpPr/>
         <p:nvPr/>
@@ -5331,7 +5056,7 @@
 </p:sld>
 </file>
 
-<file path=ppt/slides/slide6.xml><?xml version="1.0" encoding="utf-8"?>
+<file path=ppt/slides/slide5.xml><?xml version="1.0" encoding="utf-8"?>
 <p:sld xmlns:a="http://schemas.openxmlformats.org/drawingml/2006/main" xmlns:r="http://schemas.openxmlformats.org/officeDocument/2006/relationships" xmlns:p="http://schemas.openxmlformats.org/presentationml/2006/main">
   <p:cSld>
     <p:spTree>
@@ -5348,6 +5073,36 @@
           <a:chExt cx="0" cy="0"/>
         </a:xfrm>
       </p:grpSpPr>
+      <p:pic>
+        <p:nvPicPr>
+          <p:cNvPr id="2" name="Picture 1"/>
+          <p:cNvPicPr>
+            <a:picLocks noChangeAspect="1"/>
+          </p:cNvPicPr>
+          <p:nvPr/>
+        </p:nvPicPr>
+        <p:blipFill>
+          <a:blip r:embed="rId3">
+            <a:extLst>
+              <a:ext uri="{28A0092B-C50C-407E-A947-70E740481C1C}">
+                <a14:useLocalDpi xmlns:a14="http://schemas.microsoft.com/office/drawing/2010/main" val="0"/>
+              </a:ext>
+            </a:extLst>
+          </a:blip>
+          <a:stretch>
+            <a:fillRect/>
+          </a:stretch>
+        </p:blipFill>
+        <p:spPr>
+          <a:xfrm>
+            <a:off x="1621536" y="1377967"/>
+            <a:ext cx="6114672" cy="3765533"/>
+          </a:xfrm>
+          <a:prstGeom prst="rect">
+            <a:avLst/>
+          </a:prstGeom>
+        </p:spPr>
+      </p:pic>
       <p:sp>
         <p:nvSpPr>
           <p:cNvPr id="84" name="Shape 84"/>
@@ -5373,51 +5128,16 @@
           </a:bodyPr>
           <a:lstStyle/>
           <a:p>
-            <a:pPr lvl="0">
-              <a:spcBef>
-                <a:spcPts val="0"/>
-              </a:spcBef>
-              <a:buNone/>
-            </a:pPr>
+            <a:pPr lvl="0"/>
             <a:r>
-              <a:rPr lang="en"/>
-              <a:t>DP#1</a:t>
+              <a:rPr lang="en-US" dirty="0"/>
+              <a:t>Factory Method Design Pattern for </a:t>
             </a:r>
-          </a:p>
-        </p:txBody>
-      </p:sp>
-      <p:sp>
-        <p:nvSpPr>
-          <p:cNvPr id="85" name="Shape 85"/>
-          <p:cNvSpPr txBox="1">
-            <a:spLocks noGrp="1"/>
-          </p:cNvSpPr>
-          <p:nvPr>
-            <p:ph type="body" idx="1"/>
-          </p:nvPr>
-        </p:nvSpPr>
-        <p:spPr>
-          <a:xfrm>
-            <a:off x="311700" y="1152475"/>
-            <a:ext cx="8520600" cy="3416400"/>
-          </a:xfrm>
-          <a:prstGeom prst="rect">
-            <a:avLst/>
-          </a:prstGeom>
-        </p:spPr>
-        <p:txBody>
-          <a:bodyPr lIns="91425" tIns="91425" rIns="91425" bIns="91425" anchor="t" anchorCtr="0">
-            <a:noAutofit/>
-          </a:bodyPr>
-          <a:lstStyle/>
-          <a:p>
-            <a:pPr lvl="0">
-              <a:spcBef>
-                <a:spcPts val="0"/>
-              </a:spcBef>
-              <a:buNone/>
-            </a:pPr>
-            <a:endParaRPr/>
+            <a:r>
+              <a:rPr lang="en-US" dirty="0" smtClean="0"/>
+              <a:t>LoginController</a:t>
+            </a:r>
+            <a:endParaRPr lang="en-US" dirty="0"/>
           </a:p>
         </p:txBody>
       </p:sp>
@@ -5429,7 +5149,7 @@
 </p:sld>
 </file>
 
-<file path=ppt/slides/slide7.xml><?xml version="1.0" encoding="utf-8"?>
+<file path=ppt/slides/slide6.xml><?xml version="1.0" encoding="utf-8"?>
 <p:sld xmlns:a="http://schemas.openxmlformats.org/drawingml/2006/main" xmlns:r="http://schemas.openxmlformats.org/officeDocument/2006/relationships" xmlns:p="http://schemas.openxmlformats.org/presentationml/2006/main">
   <p:cSld>
     <p:spTree>
@@ -5478,47 +5198,43 @@
               <a:buNone/>
             </a:pPr>
             <a:r>
-              <a:rPr lang="en"/>
-              <a:t>DP#2</a:t>
+              <a:rPr lang="en" dirty="0" smtClean="0"/>
+              <a:t>Singleton Design Pattern for PageController</a:t>
             </a:r>
+            <a:endParaRPr lang="en" dirty="0"/>
           </a:p>
         </p:txBody>
       </p:sp>
-      <p:sp>
-        <p:nvSpPr>
-          <p:cNvPr id="91" name="Shape 91"/>
-          <p:cNvSpPr txBox="1">
-            <a:spLocks noGrp="1"/>
-          </p:cNvSpPr>
-          <p:nvPr>
-            <p:ph type="body" idx="1"/>
-          </p:nvPr>
-        </p:nvSpPr>
-        <p:spPr>
-          <a:xfrm>
-            <a:off x="311700" y="1152475"/>
-            <a:ext cx="8520600" cy="3416400"/>
+      <p:pic>
+        <p:nvPicPr>
+          <p:cNvPr id="2" name="Picture 1"/>
+          <p:cNvPicPr>
+            <a:picLocks noChangeAspect="1"/>
+          </p:cNvPicPr>
+          <p:nvPr/>
+        </p:nvPicPr>
+        <p:blipFill>
+          <a:blip r:embed="rId3">
+            <a:extLst>
+              <a:ext uri="{28A0092B-C50C-407E-A947-70E740481C1C}">
+                <a14:useLocalDpi xmlns:a14="http://schemas.microsoft.com/office/drawing/2010/main" val="0"/>
+              </a:ext>
+            </a:extLst>
+          </a:blip>
+          <a:stretch>
+            <a:fillRect/>
+          </a:stretch>
+        </p:blipFill>
+        <p:spPr>
+          <a:xfrm>
+            <a:off x="3352800" y="1628774"/>
+            <a:ext cx="2922632" cy="2260473"/>
           </a:xfrm>
           <a:prstGeom prst="rect">
             <a:avLst/>
           </a:prstGeom>
         </p:spPr>
-        <p:txBody>
-          <a:bodyPr lIns="91425" tIns="91425" rIns="91425" bIns="91425" anchor="t" anchorCtr="0">
-            <a:noAutofit/>
-          </a:bodyPr>
-          <a:lstStyle/>
-          <a:p>
-            <a:pPr lvl="0">
-              <a:spcBef>
-                <a:spcPts val="0"/>
-              </a:spcBef>
-              <a:buNone/>
-            </a:pPr>
-            <a:endParaRPr/>
-          </a:p>
-        </p:txBody>
-      </p:sp>
+      </p:pic>
     </p:spTree>
   </p:cSld>
   <p:clrMapOvr>
@@ -5527,7 +5243,7 @@
 </p:sld>
 </file>
 
-<file path=ppt/slides/slide8.xml><?xml version="1.0" encoding="utf-8"?>
+<file path=ppt/slides/slide7.xml><?xml version="1.0" encoding="utf-8"?>
 <p:sld xmlns:a="http://schemas.openxmlformats.org/drawingml/2006/main" xmlns:r="http://schemas.openxmlformats.org/officeDocument/2006/relationships" xmlns:p="http://schemas.openxmlformats.org/presentationml/2006/main">
   <p:cSld>
     <p:spTree>
@@ -5635,6 +5351,105 @@
         </p:txBody>
       </p:sp>
     </p:spTree>
+  </p:cSld>
+  <p:clrMapOvr>
+    <a:masterClrMapping/>
+  </p:clrMapOvr>
+</p:sld>
+</file>
+
+<file path=ppt/slides/slide8.xml><?xml version="1.0" encoding="utf-8"?>
+<p:sld xmlns:a="http://schemas.openxmlformats.org/drawingml/2006/main" xmlns:r="http://schemas.openxmlformats.org/officeDocument/2006/relationships" xmlns:p="http://schemas.openxmlformats.org/presentationml/2006/main">
+  <p:cSld>
+    <p:spTree>
+      <p:nvGrpSpPr>
+        <p:cNvPr id="1" name=""/>
+        <p:cNvGrpSpPr/>
+        <p:nvPr/>
+      </p:nvGrpSpPr>
+      <p:grpSpPr>
+        <a:xfrm>
+          <a:off x="0" y="0"/>
+          <a:ext cx="0" cy="0"/>
+          <a:chOff x="0" y="0"/>
+          <a:chExt cx="0" cy="0"/>
+        </a:xfrm>
+      </p:grpSpPr>
+      <p:sp>
+        <p:nvSpPr>
+          <p:cNvPr id="2" name="Title 1"/>
+          <p:cNvSpPr>
+            <a:spLocks noGrp="1"/>
+          </p:cNvSpPr>
+          <p:nvPr>
+            <p:ph type="title"/>
+          </p:nvPr>
+        </p:nvSpPr>
+        <p:spPr/>
+        <p:txBody>
+          <a:bodyPr/>
+          <a:lstStyle/>
+          <a:p>
+            <a:r>
+              <a:rPr lang="en-US" dirty="0" smtClean="0"/>
+              <a:t>ANTI PATTERNS</a:t>
+            </a:r>
+            <a:endParaRPr lang="en-US" dirty="0"/>
+          </a:p>
+        </p:txBody>
+      </p:sp>
+      <p:sp>
+        <p:nvSpPr>
+          <p:cNvPr id="3" name="Text Placeholder 2"/>
+          <p:cNvSpPr>
+            <a:spLocks noGrp="1"/>
+          </p:cNvSpPr>
+          <p:nvPr>
+            <p:ph type="body" idx="1"/>
+          </p:nvPr>
+        </p:nvSpPr>
+        <p:spPr/>
+        <p:txBody>
+          <a:bodyPr/>
+          <a:lstStyle/>
+          <a:p>
+            <a:pPr marL="285750" indent="-285750">
+              <a:buFont typeface="Arial" panose="020B0604020202020204" pitchFamily="34" charset="0"/>
+              <a:buChar char="•"/>
+            </a:pPr>
+            <a:r>
+              <a:rPr lang="en-US" dirty="0" smtClean="0"/>
+              <a:t>BLOB</a:t>
+            </a:r>
+          </a:p>
+          <a:p>
+            <a:pPr marL="285750" lvl="1" indent="-285750">
+              <a:buFont typeface="Arial" panose="020B0604020202020204" pitchFamily="34" charset="0"/>
+              <a:buChar char="•"/>
+            </a:pPr>
+            <a:r>
+              <a:rPr lang="en-US" dirty="0" smtClean="0"/>
+              <a:t>Initially had a Single Controller in the Class Diagram</a:t>
+            </a:r>
+          </a:p>
+          <a:p>
+            <a:pPr marL="285750" lvl="1" indent="-285750">
+              <a:buFont typeface="Arial" panose="020B0604020202020204" pitchFamily="34" charset="0"/>
+              <a:buChar char="•"/>
+            </a:pPr>
+            <a:r>
+              <a:rPr lang="en-US" dirty="0" smtClean="0"/>
+              <a:t>Separated the controller into different controllers related to specific class/task.</a:t>
+            </a:r>
+          </a:p>
+        </p:txBody>
+      </p:sp>
+    </p:spTree>
+    <p:extLst>
+      <p:ext uri="{BB962C8B-B14F-4D97-AF65-F5344CB8AC3E}">
+        <p14:creationId xmlns:p14="http://schemas.microsoft.com/office/powerpoint/2010/main" val="3517690399"/>
+      </p:ext>
+    </p:extLst>
   </p:cSld>
   <p:clrMapOvr>
     <a:masterClrMapping/>
@@ -5669,69 +5484,58 @@
             <p:ph type="title"/>
           </p:nvPr>
         </p:nvSpPr>
-        <p:spPr/>
+        <p:spPr>
+          <a:xfrm>
+            <a:off x="311700" y="529314"/>
+            <a:ext cx="8520600" cy="841800"/>
+          </a:xfrm>
+        </p:spPr>
         <p:txBody>
           <a:bodyPr/>
           <a:lstStyle/>
           <a:p>
             <a:r>
               <a:rPr lang="en-US" dirty="0" smtClean="0"/>
-              <a:t>ANTI PATTERNS</a:t>
+              <a:t>THANK YOU</a:t>
             </a:r>
             <a:endParaRPr lang="en-US" dirty="0"/>
           </a:p>
         </p:txBody>
       </p:sp>
-      <p:sp>
-        <p:nvSpPr>
-          <p:cNvPr id="3" name="Text Placeholder 2"/>
-          <p:cNvSpPr>
-            <a:spLocks noGrp="1"/>
-          </p:cNvSpPr>
-          <p:nvPr>
-            <p:ph type="body" idx="1"/>
-          </p:nvPr>
-        </p:nvSpPr>
-        <p:spPr/>
-        <p:txBody>
-          <a:bodyPr/>
-          <a:lstStyle/>
-          <a:p>
-            <a:pPr marL="285750" indent="-285750">
-              <a:buFont typeface="Arial" panose="020B0604020202020204" pitchFamily="34" charset="0"/>
-              <a:buChar char="•"/>
-            </a:pPr>
-            <a:r>
-              <a:rPr lang="en-US" dirty="0" smtClean="0"/>
-              <a:t>BLOB</a:t>
-            </a:r>
-          </a:p>
-          <a:p>
-            <a:pPr marL="285750" lvl="1" indent="-285750">
-              <a:buFont typeface="Arial" panose="020B0604020202020204" pitchFamily="34" charset="0"/>
-              <a:buChar char="•"/>
-            </a:pPr>
-            <a:r>
-              <a:rPr lang="en-US" dirty="0" smtClean="0"/>
-              <a:t>Initially had a Single Controller in the Class Diagram</a:t>
-            </a:r>
-          </a:p>
-          <a:p>
-            <a:pPr marL="285750" lvl="1" indent="-285750">
-              <a:buFont typeface="Arial" panose="020B0604020202020204" pitchFamily="34" charset="0"/>
-              <a:buChar char="•"/>
-            </a:pPr>
-            <a:r>
-              <a:rPr lang="en-US" dirty="0" smtClean="0"/>
-              <a:t>Separated the controller into different controllers related to specific class/task.</a:t>
-            </a:r>
-          </a:p>
-        </p:txBody>
-      </p:sp>
+      <p:pic>
+        <p:nvPicPr>
+          <p:cNvPr id="3" name="Picture 2"/>
+          <p:cNvPicPr>
+            <a:picLocks noChangeAspect="1"/>
+          </p:cNvPicPr>
+          <p:nvPr/>
+        </p:nvPicPr>
+        <p:blipFill>
+          <a:blip r:embed="rId2">
+            <a:extLst>
+              <a:ext uri="{28A0092B-C50C-407E-A947-70E740481C1C}">
+                <a14:useLocalDpi xmlns:a14="http://schemas.microsoft.com/office/drawing/2010/main" val="0"/>
+              </a:ext>
+            </a:extLst>
+          </a:blip>
+          <a:stretch>
+            <a:fillRect/>
+          </a:stretch>
+        </p:blipFill>
+        <p:spPr>
+          <a:xfrm>
+            <a:off x="2286000" y="1371114"/>
+            <a:ext cx="4572000" cy="3543300"/>
+          </a:xfrm>
+          <a:prstGeom prst="rect">
+            <a:avLst/>
+          </a:prstGeom>
+        </p:spPr>
+      </p:pic>
     </p:spTree>
     <p:extLst>
       <p:ext uri="{BB962C8B-B14F-4D97-AF65-F5344CB8AC3E}">
-        <p14:creationId xmlns:p14="http://schemas.microsoft.com/office/powerpoint/2010/main" val="3517690399"/>
+        <p14:creationId xmlns:p14="http://schemas.microsoft.com/office/powerpoint/2010/main" val="1769566907"/>
       </p:ext>
     </p:extLst>
   </p:cSld>
